--- a/CS5331_Poster.pptx
+++ b/CS5331_Poster.pptx
@@ -260,7 +260,7 @@
           </ac:graphicFrameMkLst>
         </pc:graphicFrameChg>
         <pc:graphicFrameChg chg="add del mod modGraphic">
-          <ac:chgData name="Daryl Quek" userId="f27e3362e4192b30" providerId="LiveId" clId="{EABF0CBF-A883-4410-8F6F-DAEAA6E8CC01}" dt="2018-11-26T14:59:18.809" v="3661"/>
+          <ac:chgData name="Daryl Quek" userId="f27e3362e4192b30" providerId="LiveId" clId="{EABF0CBF-A883-4410-8F6F-DAEAA6E8CC01}" dt="2018-11-26T14:59:18.809" v="3661" actId="20577"/>
           <ac:graphicFrameMkLst>
             <pc:docMk/>
             <pc:sldMk cId="0" sldId="256"/>
@@ -6882,8 +6882,8 @@
         </p:nvSpPr>
         <p:spPr bwMode="auto">
           <a:xfrm>
-            <a:off x="10166846" y="3226594"/>
-            <a:ext cx="19829760" cy="7921625"/>
+            <a:off x="10091738" y="3307379"/>
+            <a:ext cx="19815547" cy="7921625"/>
           </a:xfrm>
           <a:prstGeom prst="roundRect">
             <a:avLst>
@@ -6983,8 +6983,8 @@
         </p:nvSpPr>
         <p:spPr bwMode="auto">
           <a:xfrm>
-            <a:off x="21497504" y="16332994"/>
-            <a:ext cx="8409781" cy="4800600"/>
+            <a:off x="21497504" y="16713994"/>
+            <a:ext cx="8409781" cy="4267200"/>
           </a:xfrm>
           <a:prstGeom prst="rect">
             <a:avLst/>
@@ -7033,7 +7033,7 @@
                 <a:latin typeface="Arial" charset="0"/>
                 <a:ea typeface="宋体" pitchFamily="2" charset="-122"/>
               </a:rPr>
-              <a:t>Many components involved in phishing detection</a:t>
+              <a:t>Many components involved in phishing detection.</a:t>
             </a:r>
           </a:p>
           <a:p>
@@ -7049,7 +7049,7 @@
                 <a:latin typeface="Arial" charset="0"/>
                 <a:ea typeface="宋体" pitchFamily="2" charset="-122"/>
               </a:rPr>
-              <a:t>Gather more experimental data on live phishing sites to fine-tune threshold parameters</a:t>
+              <a:t>Gather more experimental data on live phishing sites to fine-tune threshold parameters.</a:t>
             </a:r>
           </a:p>
           <a:p>
@@ -7065,7 +7065,7 @@
                 <a:latin typeface="Arial" charset="0"/>
                 <a:ea typeface="宋体" pitchFamily="2" charset="-122"/>
               </a:rPr>
-              <a:t>Add additional checks for visual components</a:t>
+              <a:t>Add additional checks for visual components.</a:t>
             </a:r>
           </a:p>
           <a:p>
@@ -7081,7 +7081,7 @@
                 <a:latin typeface="Arial" charset="0"/>
                 <a:ea typeface="宋体" pitchFamily="2" charset="-122"/>
               </a:rPr>
-              <a:t>Prompt user to input where they think they are going</a:t>
+              <a:t>Prompt user to input where they think they are going.</a:t>
             </a:r>
           </a:p>
           <a:p>
@@ -7097,27 +7097,14 @@
                 <a:latin typeface="Arial" charset="0"/>
                 <a:ea typeface="宋体" pitchFamily="2" charset="-122"/>
               </a:rPr>
-              <a:t>Devise ways to infer the actual website from the </a:t>
-            </a:r>
-            <a:r>
-              <a:rPr lang="en-AU" altLang="zh-CN" sz="2300" baseline="0">
-                <a:latin typeface="Arial" charset="0"/>
-                <a:ea typeface="宋体" pitchFamily="2" charset="-122"/>
-              </a:rPr>
-              <a:t>page content</a:t>
-            </a:r>
-            <a:endParaRPr lang="en-AU" altLang="zh-CN" sz="2300" baseline="0" dirty="0">
-              <a:latin typeface="Arial" charset="0"/>
-              <a:ea typeface="宋体" pitchFamily="2" charset="-122"/>
-            </a:endParaRPr>
-          </a:p>
-          <a:p>
-            <a:pPr marL="342900" indent="-342900" algn="just" defTabSz="538147">
+              <a:t>Devise ways to infer the actual website from the page content.</a:t>
+            </a:r>
+          </a:p>
+          <a:p>
+            <a:pPr algn="just" defTabSz="538147">
               <a:spcBef>
                 <a:spcPct val="50000"/>
               </a:spcBef>
-              <a:buFont typeface="Arial" panose="020B0604020202020204" pitchFamily="34" charset="0"/>
-              <a:buChar char="•"/>
             </a:pPr>
             <a:endParaRPr lang="en-AU" altLang="zh-CN" sz="2300" baseline="0" dirty="0">
               <a:latin typeface="Arial" charset="0"/>
@@ -7192,7 +7179,67 @@
                 <a:latin typeface="Arial" charset="0"/>
                 <a:ea typeface="宋体" pitchFamily="2" charset="-122"/>
               </a:rPr>
-              <a:t>Group Members</a:t>
+              <a:t>Samantha Wong Shin Nee, Teo Ee Siang Lionel, Leong Peng </a:t>
+            </a:r>
+            <a:r>
+              <a:rPr lang="en-US" altLang="zh-CN" sz="3600" baseline="0" dirty="0" err="1">
+                <a:solidFill>
+                  <a:schemeClr val="bg1"/>
+                </a:solidFill>
+                <a:effectLst>
+                  <a:outerShdw blurRad="38100" dist="38100" dir="2700000" algn="tl">
+                    <a:srgbClr val="000000"/>
+                  </a:outerShdw>
+                </a:effectLst>
+                <a:latin typeface="Arial" charset="0"/>
+                <a:ea typeface="宋体" pitchFamily="2" charset="-122"/>
+              </a:rPr>
+              <a:t>Kuen</a:t>
+            </a:r>
+            <a:r>
+              <a:rPr lang="en-US" altLang="zh-CN" sz="3600" baseline="0" dirty="0">
+                <a:solidFill>
+                  <a:schemeClr val="bg1"/>
+                </a:solidFill>
+                <a:effectLst>
+                  <a:outerShdw blurRad="38100" dist="38100" dir="2700000" algn="tl">
+                    <a:srgbClr val="000000"/>
+                  </a:outerShdw>
+                </a:effectLst>
+                <a:latin typeface="Arial" charset="0"/>
+                <a:ea typeface="宋体" pitchFamily="2" charset="-122"/>
+              </a:rPr>
+              <a:t>, Quek </a:t>
+            </a:r>
+            <a:r>
+              <a:rPr lang="en-US" altLang="zh-CN" sz="3600" baseline="0" dirty="0" err="1">
+                <a:solidFill>
+                  <a:schemeClr val="bg1"/>
+                </a:solidFill>
+                <a:effectLst>
+                  <a:outerShdw blurRad="38100" dist="38100" dir="2700000" algn="tl">
+                    <a:srgbClr val="000000"/>
+                  </a:outerShdw>
+                </a:effectLst>
+                <a:latin typeface="Arial" charset="0"/>
+                <a:ea typeface="宋体" pitchFamily="2" charset="-122"/>
+              </a:rPr>
+              <a:t>Zhi</a:t>
+            </a:r>
+            <a:r>
+              <a:rPr lang="en-US" altLang="zh-CN" sz="3600" baseline="0" dirty="0">
+                <a:solidFill>
+                  <a:schemeClr val="bg1"/>
+                </a:solidFill>
+                <a:effectLst>
+                  <a:outerShdw blurRad="38100" dist="38100" dir="2700000" algn="tl">
+                    <a:srgbClr val="000000"/>
+                  </a:outerShdw>
+                </a:effectLst>
+                <a:latin typeface="Arial" charset="0"/>
+                <a:ea typeface="宋体" pitchFamily="2" charset="-122"/>
+              </a:rPr>
+              <a:t> Qin Daryl</a:t>
             </a:r>
           </a:p>
           <a:p>
@@ -7232,8 +7279,8 @@
         </p:nvSpPr>
         <p:spPr bwMode="auto">
           <a:xfrm>
-            <a:off x="354806" y="8331994"/>
-            <a:ext cx="9566126" cy="3581400"/>
+            <a:off x="313680" y="8331994"/>
+            <a:ext cx="9566126" cy="3124200"/>
           </a:xfrm>
           <a:prstGeom prst="rect">
             <a:avLst/>
@@ -7469,8 +7516,8 @@
         </p:nvSpPr>
         <p:spPr bwMode="auto">
           <a:xfrm>
-            <a:off x="21497505" y="11456194"/>
-            <a:ext cx="8409781" cy="4724400"/>
+            <a:off x="21497503" y="11608594"/>
+            <a:ext cx="8409781" cy="4852821"/>
           </a:xfrm>
           <a:prstGeom prst="rect">
             <a:avLst/>
@@ -7576,7 +7623,7 @@
                 <a:latin typeface="Arial" charset="0"/>
                 <a:ea typeface="宋体" pitchFamily="2" charset="-122"/>
               </a:rPr>
-              <a:t>May have limited text available on actual page with the clear use of images</a:t>
+              <a:t>May have limited text available on actual page with the clear use of images.</a:t>
             </a:r>
           </a:p>
           <a:p>
@@ -7595,7 +7642,7 @@
                 <a:latin typeface="Arial" charset="0"/>
                 <a:ea typeface="宋体" pitchFamily="2" charset="-122"/>
               </a:rPr>
-              <a:t>Site statistics such as URL traffic hits might change if it is a very viral phish</a:t>
+              <a:t>Site statistics such as URL traffic hits might change if it is a very viral phish.</a:t>
             </a:r>
           </a:p>
         </p:txBody>
@@ -7610,7 +7657,7 @@
         </p:nvSpPr>
         <p:spPr bwMode="auto">
           <a:xfrm>
-            <a:off x="10459666" y="3416201"/>
+            <a:off x="10600901" y="3524643"/>
             <a:ext cx="8545090" cy="706965"/>
           </a:xfrm>
           <a:prstGeom prst="rect">
@@ -7780,7 +7827,7 @@
                 <a:latin typeface="Arial" charset="0"/>
                 <a:ea typeface="宋体" pitchFamily="2" charset="-122"/>
               </a:rPr>
-              <a:t>A Google search is conducted for the target URL’s page title. If URL of the top search result matches, this is considered to be a legitimate web page. Otherwise, it is put through the phishing detection engine.</a:t>
+              <a:t>A Google search is conducted for the target URL’s page title. If URL of the top search result matches, this is considered to be a legitimate web page. Otherwise, it is put through the phishing detection engine with the possible identified original site.</a:t>
             </a:r>
           </a:p>
           <a:p>
@@ -7903,7 +7950,7 @@
                 <a:latin typeface="Arial" charset="0"/>
                 <a:ea typeface="宋体" pitchFamily="2" charset="-122"/>
               </a:rPr>
-              <a:t>Page statistics are examined for the target URL.</a:t>
+              <a:t>Site statistics are examined for the target URL and possible identified original site. Compare both websites for page ranking and traffic hits.</a:t>
             </a:r>
           </a:p>
           <a:p>
@@ -8087,7 +8134,7 @@
         <p:spPr bwMode="auto">
           <a:xfrm>
             <a:off x="315367" y="3317179"/>
-            <a:ext cx="9566126" cy="4786215"/>
+            <a:ext cx="9564439" cy="4786215"/>
           </a:xfrm>
           <a:prstGeom prst="rect">
             <a:avLst/>
@@ -8276,8 +8323,8 @@
         </p:nvSpPr>
         <p:spPr bwMode="auto">
           <a:xfrm>
-            <a:off x="313680" y="12141994"/>
-            <a:ext cx="9566126" cy="8991599"/>
+            <a:off x="313680" y="11608594"/>
+            <a:ext cx="9566126" cy="9372601"/>
           </a:xfrm>
           <a:prstGeom prst="rect">
             <a:avLst/>
@@ -8358,7 +8405,7 @@
                 <a:latin typeface="Arial" charset="0"/>
                 <a:ea typeface="宋体" pitchFamily="2" charset="-122"/>
               </a:rPr>
-              <a:t>Domain Content</a:t>
+              <a:t>Domain Content.</a:t>
             </a:r>
           </a:p>
           <a:p>
@@ -8377,7 +8424,7 @@
                 <a:latin typeface="Arial" charset="0"/>
                 <a:ea typeface="宋体" pitchFamily="2" charset="-122"/>
               </a:rPr>
-              <a:t>Domain Length</a:t>
+              <a:t>Domain Length.</a:t>
             </a:r>
           </a:p>
           <a:p>
@@ -8425,7 +8472,7 @@
                 <a:latin typeface="Arial" charset="0"/>
                 <a:ea typeface="宋体" pitchFamily="2" charset="-122"/>
               </a:rPr>
-              <a:t>Domain Age: ~96% of phishing sites are taken down within 1 month</a:t>
+              <a:t>Domain Age: ~96% of phishing sites are taken down within 1 month.</a:t>
             </a:r>
           </a:p>
           <a:p>
@@ -8511,7 +8558,7 @@
                 <a:latin typeface="Arial" charset="0"/>
                 <a:ea typeface="宋体" pitchFamily="2" charset="-122"/>
               </a:rPr>
-              <a:t>Page Ranking</a:t>
+              <a:t>Page Ranking.</a:t>
             </a:r>
           </a:p>
           <a:p>
@@ -8530,7 +8577,7 @@
                 <a:latin typeface="Arial" charset="0"/>
                 <a:ea typeface="宋体" pitchFamily="2" charset="-122"/>
               </a:rPr>
-              <a:t>Traffic Hits </a:t>
+              <a:t>Traffic Hits. </a:t>
             </a:r>
           </a:p>
           <a:p>
@@ -9508,7 +9555,7 @@
         </p:nvSpPr>
         <p:spPr bwMode="auto">
           <a:xfrm>
-            <a:off x="19612292" y="3317179"/>
+            <a:off x="19612292" y="3524642"/>
             <a:ext cx="9469914" cy="706965"/>
           </a:xfrm>
           <a:prstGeom prst="rect">

--- a/CS5331_Poster.pptx
+++ b/CS5331_Poster.pptx
@@ -158,6 +158,30 @@
 
 <file path=ppt/changesInfos/changesInfo1.xml><?xml version="1.0" encoding="utf-8"?>
 <pc:chgInfo xmlns:a="http://schemas.openxmlformats.org/drawingml/2006/main" xmlns:r="http://schemas.openxmlformats.org/officeDocument/2006/relationships" xmlns:ac="http://schemas.microsoft.com/office/drawing/2013/main/command" xmlns:pc="http://schemas.microsoft.com/office/powerpoint/2013/main/command">
+  <pc:docChgLst>
+    <pc:chgData name="Daryl Quek" userId="f27e3362e4192b30" providerId="LiveId" clId="{3839A65F-C345-44E2-9A2D-85CBB1B22877}"/>
+    <pc:docChg chg="modSld">
+      <pc:chgData name="Daryl Quek" userId="f27e3362e4192b30" providerId="LiveId" clId="{3839A65F-C345-44E2-9A2D-85CBB1B22877}" dt="2018-11-27T00:42:12.831" v="1" actId="20577"/>
+      <pc:docMkLst>
+        <pc:docMk/>
+      </pc:docMkLst>
+      <pc:sldChg chg="modSp">
+        <pc:chgData name="Daryl Quek" userId="f27e3362e4192b30" providerId="LiveId" clId="{3839A65F-C345-44E2-9A2D-85CBB1B22877}" dt="2018-11-27T00:42:12.831" v="1" actId="20577"/>
+        <pc:sldMkLst>
+          <pc:docMk/>
+          <pc:sldMk cId="0" sldId="256"/>
+        </pc:sldMkLst>
+        <pc:graphicFrameChg chg="modGraphic">
+          <ac:chgData name="Daryl Quek" userId="f27e3362e4192b30" providerId="LiveId" clId="{3839A65F-C345-44E2-9A2D-85CBB1B22877}" dt="2018-11-27T00:42:12.831" v="1" actId="20577"/>
+          <ac:graphicFrameMkLst>
+            <pc:docMk/>
+            <pc:sldMk cId="0" sldId="256"/>
+            <ac:graphicFrameMk id="3" creationId="{E2BDA739-5B11-4071-938B-12C5D55E1CD5}"/>
+          </ac:graphicFrameMkLst>
+        </pc:graphicFrameChg>
+      </pc:sldChg>
+    </pc:docChg>
+  </pc:docChgLst>
   <pc:docChgLst>
     <pc:chgData name="Daryl Quek" userId="f27e3362e4192b30" providerId="LiveId" clId="{EABF0CBF-A883-4410-8F6F-DAEAA6E8CC01}"/>
     <pc:docChg chg="undo redo custSel modSld">
@@ -8712,7 +8736,7 @@
           <p:nvPr>
             <p:extLst>
               <p:ext uri="{D42A27DB-BD31-4B8C-83A1-F6EECF244321}">
-                <p14:modId xmlns:p14="http://schemas.microsoft.com/office/powerpoint/2010/main" val="3973783911"/>
+                <p14:modId xmlns:p14="http://schemas.microsoft.com/office/powerpoint/2010/main" val="4278524007"/>
               </p:ext>
             </p:extLst>
           </p:nvPr>
@@ -9073,7 +9097,15 @@
                     <a:p>
                       <a:r>
                         <a:rPr lang="en-SG" sz="2000" dirty="0"/>
-                        <a:t>&lt; 3 months</a:t>
+                        <a:t>&gt;</a:t>
+                      </a:r>
+                      <a:r>
+                        <a:rPr lang="en-SG" sz="2000"/>
+                        <a:t> </a:t>
+                      </a:r>
+                      <a:r>
+                        <a:rPr lang="en-SG" sz="2000" dirty="0"/>
+                        <a:t>3 months</a:t>
                       </a:r>
                     </a:p>
                   </a:txBody>

--- a/CS5331_Poster.pptx
+++ b/CS5331_Poster.pptx
@@ -1284,14 +1284,35 @@
         </dgm:presLayoutVars>
       </dgm:prSet>
       <dgm:spPr/>
+      <dgm:t>
+        <a:bodyPr/>
+        <a:lstStyle/>
+        <a:p>
+          <a:endParaRPr lang="en-US"/>
+        </a:p>
+      </dgm:t>
     </dgm:pt>
     <dgm:pt modelId="{D27EB83C-6569-40A8-BBB4-EB8A74FAD38F}" type="pres">
       <dgm:prSet presAssocID="{B5E20638-468B-44D9-A333-2A434A6017F4}" presName="centerShape" presStyleLbl="node0" presStyleIdx="0" presStyleCnt="1"/>
       <dgm:spPr/>
+      <dgm:t>
+        <a:bodyPr/>
+        <a:lstStyle/>
+        <a:p>
+          <a:endParaRPr lang="en-US"/>
+        </a:p>
+      </dgm:t>
     </dgm:pt>
     <dgm:pt modelId="{D1E0D5D4-2B40-4A2A-BA32-C14D7AC75645}" type="pres">
       <dgm:prSet presAssocID="{FFB3F715-AAB5-413C-9C3F-81154B05A25C}" presName="parTrans" presStyleLbl="bgSibTrans2D1" presStyleIdx="0" presStyleCnt="4"/>
       <dgm:spPr/>
+      <dgm:t>
+        <a:bodyPr/>
+        <a:lstStyle/>
+        <a:p>
+          <a:endParaRPr lang="en-US"/>
+        </a:p>
+      </dgm:t>
     </dgm:pt>
     <dgm:pt modelId="{D1367C3F-2A52-409C-864C-634EFC1420B0}" type="pres">
       <dgm:prSet presAssocID="{FA6AEA48-5611-4F3D-832C-18F22117BA7E}" presName="node" presStyleLbl="node1" presStyleIdx="0" presStyleCnt="4">
@@ -1300,10 +1321,24 @@
         </dgm:presLayoutVars>
       </dgm:prSet>
       <dgm:spPr/>
+      <dgm:t>
+        <a:bodyPr/>
+        <a:lstStyle/>
+        <a:p>
+          <a:endParaRPr lang="en-US"/>
+        </a:p>
+      </dgm:t>
     </dgm:pt>
     <dgm:pt modelId="{F779F3E9-D776-486E-839E-E21AA3208F50}" type="pres">
       <dgm:prSet presAssocID="{BE693053-D64C-4398-A5E8-3D502209A638}" presName="parTrans" presStyleLbl="bgSibTrans2D1" presStyleIdx="1" presStyleCnt="4"/>
       <dgm:spPr/>
+      <dgm:t>
+        <a:bodyPr/>
+        <a:lstStyle/>
+        <a:p>
+          <a:endParaRPr lang="en-US"/>
+        </a:p>
+      </dgm:t>
     </dgm:pt>
     <dgm:pt modelId="{2256BE3A-00C2-4012-9829-B259CEFD76B5}" type="pres">
       <dgm:prSet presAssocID="{553E918A-24FA-499F-9FC3-7AEAE2B3C781}" presName="node" presStyleLbl="node1" presStyleIdx="1" presStyleCnt="4">
@@ -1312,10 +1347,24 @@
         </dgm:presLayoutVars>
       </dgm:prSet>
       <dgm:spPr/>
+      <dgm:t>
+        <a:bodyPr/>
+        <a:lstStyle/>
+        <a:p>
+          <a:endParaRPr lang="en-US"/>
+        </a:p>
+      </dgm:t>
     </dgm:pt>
     <dgm:pt modelId="{E0062D08-9729-475A-9B8C-CB4E443E1741}" type="pres">
       <dgm:prSet presAssocID="{2E239D3C-5D1D-4C4B-BF5D-77930F3761A0}" presName="parTrans" presStyleLbl="bgSibTrans2D1" presStyleIdx="2" presStyleCnt="4"/>
       <dgm:spPr/>
+      <dgm:t>
+        <a:bodyPr/>
+        <a:lstStyle/>
+        <a:p>
+          <a:endParaRPr lang="en-US"/>
+        </a:p>
+      </dgm:t>
     </dgm:pt>
     <dgm:pt modelId="{3C38BB0E-18C0-4EAC-828F-0D705FBA791D}" type="pres">
       <dgm:prSet presAssocID="{10350008-B0D8-4E22-B937-9CA962D170F8}" presName="node" presStyleLbl="node1" presStyleIdx="2" presStyleCnt="4">
@@ -1324,10 +1373,24 @@
         </dgm:presLayoutVars>
       </dgm:prSet>
       <dgm:spPr/>
+      <dgm:t>
+        <a:bodyPr/>
+        <a:lstStyle/>
+        <a:p>
+          <a:endParaRPr lang="en-US"/>
+        </a:p>
+      </dgm:t>
     </dgm:pt>
     <dgm:pt modelId="{0818790E-0BB6-4AC6-BA68-17370D53F8C7}" type="pres">
       <dgm:prSet presAssocID="{73E98E85-AC2A-4CC8-A08E-F85AB07D4657}" presName="parTrans" presStyleLbl="bgSibTrans2D1" presStyleIdx="3" presStyleCnt="4"/>
       <dgm:spPr/>
+      <dgm:t>
+        <a:bodyPr/>
+        <a:lstStyle/>
+        <a:p>
+          <a:endParaRPr lang="en-US"/>
+        </a:p>
+      </dgm:t>
     </dgm:pt>
     <dgm:pt modelId="{AF238103-4CCF-4D71-9511-AFD34971A84D}" type="pres">
       <dgm:prSet presAssocID="{585E752D-7066-4D9C-8388-CC7211987E17}" presName="node" presStyleLbl="node1" presStyleIdx="3" presStyleCnt="4">
@@ -1336,24 +1399,31 @@
         </dgm:presLayoutVars>
       </dgm:prSet>
       <dgm:spPr/>
+      <dgm:t>
+        <a:bodyPr/>
+        <a:lstStyle/>
+        <a:p>
+          <a:endParaRPr lang="en-US"/>
+        </a:p>
+      </dgm:t>
     </dgm:pt>
   </dgm:ptLst>
   <dgm:cxnLst>
+    <dgm:cxn modelId="{711D90AF-31F0-487C-88EC-B4709C2EE681}" type="presOf" srcId="{BE693053-D64C-4398-A5E8-3D502209A638}" destId="{F779F3E9-D776-486E-839E-E21AA3208F50}" srcOrd="0" destOrd="0" presId="urn:microsoft.com/office/officeart/2005/8/layout/radial4"/>
+    <dgm:cxn modelId="{EEB9BD84-64F8-4A8E-83B2-9B36EE1720BC}" srcId="{B5E20638-468B-44D9-A333-2A434A6017F4}" destId="{FA6AEA48-5611-4F3D-832C-18F22117BA7E}" srcOrd="0" destOrd="0" parTransId="{FFB3F715-AAB5-413C-9C3F-81154B05A25C}" sibTransId="{ABD9136C-F074-4507-965A-40ABED206802}"/>
+    <dgm:cxn modelId="{0EF83E9F-9E68-478E-BDE3-CEE3D6D65622}" type="presOf" srcId="{B5E20638-468B-44D9-A333-2A434A6017F4}" destId="{D27EB83C-6569-40A8-BBB4-EB8A74FAD38F}" srcOrd="0" destOrd="0" presId="urn:microsoft.com/office/officeart/2005/8/layout/radial4"/>
+    <dgm:cxn modelId="{CB67BE3B-5167-4CA6-9C9B-56FB5482EB56}" type="presOf" srcId="{FA6AEA48-5611-4F3D-832C-18F22117BA7E}" destId="{D1367C3F-2A52-409C-864C-634EFC1420B0}" srcOrd="0" destOrd="0" presId="urn:microsoft.com/office/officeart/2005/8/layout/radial4"/>
+    <dgm:cxn modelId="{F4A674FB-9AE9-4C0D-BD0D-C9B2BF0127A3}" type="presOf" srcId="{585E752D-7066-4D9C-8388-CC7211987E17}" destId="{AF238103-4CCF-4D71-9511-AFD34971A84D}" srcOrd="0" destOrd="0" presId="urn:microsoft.com/office/officeart/2005/8/layout/radial4"/>
     <dgm:cxn modelId="{26A7142E-4E47-4819-AB7C-1285E58366CB}" type="presOf" srcId="{553E918A-24FA-499F-9FC3-7AEAE2B3C781}" destId="{2256BE3A-00C2-4012-9829-B259CEFD76B5}" srcOrd="0" destOrd="0" presId="urn:microsoft.com/office/officeart/2005/8/layout/radial4"/>
-    <dgm:cxn modelId="{CB67BE3B-5167-4CA6-9C9B-56FB5482EB56}" type="presOf" srcId="{FA6AEA48-5611-4F3D-832C-18F22117BA7E}" destId="{D1367C3F-2A52-409C-864C-634EFC1420B0}" srcOrd="0" destOrd="0" presId="urn:microsoft.com/office/officeart/2005/8/layout/radial4"/>
     <dgm:cxn modelId="{794D2069-459B-4618-AE78-2BA0B44B01C2}" type="presOf" srcId="{746B3106-CA2D-4005-9C53-3A67A0E54887}" destId="{E0665B96-3EEE-4EE8-9C19-2EC3548FB217}" srcOrd="0" destOrd="0" presId="urn:microsoft.com/office/officeart/2005/8/layout/radial4"/>
+    <dgm:cxn modelId="{566D3C8C-382E-44D4-8DB8-2F3AD6774745}" srcId="{B5E20638-468B-44D9-A333-2A434A6017F4}" destId="{553E918A-24FA-499F-9FC3-7AEAE2B3C781}" srcOrd="1" destOrd="0" parTransId="{BE693053-D64C-4398-A5E8-3D502209A638}" sibTransId="{908D15F9-50B4-4BF1-9D6A-AE5221613E34}"/>
+    <dgm:cxn modelId="{5B61AE72-DAF2-4728-A3C5-DBF873F667FB}" type="presOf" srcId="{10350008-B0D8-4E22-B937-9CA962D170F8}" destId="{3C38BB0E-18C0-4EAC-828F-0D705FBA791D}" srcOrd="0" destOrd="0" presId="urn:microsoft.com/office/officeart/2005/8/layout/radial4"/>
+    <dgm:cxn modelId="{0F663899-BC2B-4481-BE24-3E2BA72EC5DD}" type="presOf" srcId="{2E239D3C-5D1D-4C4B-BF5D-77930F3761A0}" destId="{E0062D08-9729-475A-9B8C-CB4E443E1741}" srcOrd="0" destOrd="0" presId="urn:microsoft.com/office/officeart/2005/8/layout/radial4"/>
+    <dgm:cxn modelId="{A3D2F67E-8150-4AC2-84C5-A81649C48FE5}" srcId="{B5E20638-468B-44D9-A333-2A434A6017F4}" destId="{10350008-B0D8-4E22-B937-9CA962D170F8}" srcOrd="2" destOrd="0" parTransId="{2E239D3C-5D1D-4C4B-BF5D-77930F3761A0}" sibTransId="{13050F1A-5D60-40ED-A53C-C23492D14346}"/>
     <dgm:cxn modelId="{F85B894D-C1C5-418B-998C-88244F8342AA}" srcId="{746B3106-CA2D-4005-9C53-3A67A0E54887}" destId="{B5E20638-468B-44D9-A333-2A434A6017F4}" srcOrd="0" destOrd="0" parTransId="{4B89274E-7320-4889-B54D-7C6F98744B6D}" sibTransId="{42697ED9-F2B4-4F48-9ACA-27AA86316DE5}"/>
+    <dgm:cxn modelId="{2B3C01B6-61DE-4F29-8B79-2A0D4212726E}" srcId="{B5E20638-468B-44D9-A333-2A434A6017F4}" destId="{585E752D-7066-4D9C-8388-CC7211987E17}" srcOrd="3" destOrd="0" parTransId="{73E98E85-AC2A-4CC8-A08E-F85AB07D4657}" sibTransId="{EA181CD5-78CA-4E9B-9D56-298284791F8F}"/>
+    <dgm:cxn modelId="{FF2A38A9-45E0-41EA-A0E7-ED878623AF44}" type="presOf" srcId="{FFB3F715-AAB5-413C-9C3F-81154B05A25C}" destId="{D1E0D5D4-2B40-4A2A-BA32-C14D7AC75645}" srcOrd="0" destOrd="0" presId="urn:microsoft.com/office/officeart/2005/8/layout/radial4"/>
     <dgm:cxn modelId="{C155D851-9F3D-479F-A2D3-48ED64168F66}" type="presOf" srcId="{73E98E85-AC2A-4CC8-A08E-F85AB07D4657}" destId="{0818790E-0BB6-4AC6-BA68-17370D53F8C7}" srcOrd="0" destOrd="0" presId="urn:microsoft.com/office/officeart/2005/8/layout/radial4"/>
-    <dgm:cxn modelId="{5B61AE72-DAF2-4728-A3C5-DBF873F667FB}" type="presOf" srcId="{10350008-B0D8-4E22-B937-9CA962D170F8}" destId="{3C38BB0E-18C0-4EAC-828F-0D705FBA791D}" srcOrd="0" destOrd="0" presId="urn:microsoft.com/office/officeart/2005/8/layout/radial4"/>
-    <dgm:cxn modelId="{A3D2F67E-8150-4AC2-84C5-A81649C48FE5}" srcId="{B5E20638-468B-44D9-A333-2A434A6017F4}" destId="{10350008-B0D8-4E22-B937-9CA962D170F8}" srcOrd="2" destOrd="0" parTransId="{2E239D3C-5D1D-4C4B-BF5D-77930F3761A0}" sibTransId="{13050F1A-5D60-40ED-A53C-C23492D14346}"/>
-    <dgm:cxn modelId="{EEB9BD84-64F8-4A8E-83B2-9B36EE1720BC}" srcId="{B5E20638-468B-44D9-A333-2A434A6017F4}" destId="{FA6AEA48-5611-4F3D-832C-18F22117BA7E}" srcOrd="0" destOrd="0" parTransId="{FFB3F715-AAB5-413C-9C3F-81154B05A25C}" sibTransId="{ABD9136C-F074-4507-965A-40ABED206802}"/>
-    <dgm:cxn modelId="{566D3C8C-382E-44D4-8DB8-2F3AD6774745}" srcId="{B5E20638-468B-44D9-A333-2A434A6017F4}" destId="{553E918A-24FA-499F-9FC3-7AEAE2B3C781}" srcOrd="1" destOrd="0" parTransId="{BE693053-D64C-4398-A5E8-3D502209A638}" sibTransId="{908D15F9-50B4-4BF1-9D6A-AE5221613E34}"/>
-    <dgm:cxn modelId="{0F663899-BC2B-4481-BE24-3E2BA72EC5DD}" type="presOf" srcId="{2E239D3C-5D1D-4C4B-BF5D-77930F3761A0}" destId="{E0062D08-9729-475A-9B8C-CB4E443E1741}" srcOrd="0" destOrd="0" presId="urn:microsoft.com/office/officeart/2005/8/layout/radial4"/>
-    <dgm:cxn modelId="{0EF83E9F-9E68-478E-BDE3-CEE3D6D65622}" type="presOf" srcId="{B5E20638-468B-44D9-A333-2A434A6017F4}" destId="{D27EB83C-6569-40A8-BBB4-EB8A74FAD38F}" srcOrd="0" destOrd="0" presId="urn:microsoft.com/office/officeart/2005/8/layout/radial4"/>
-    <dgm:cxn modelId="{FF2A38A9-45E0-41EA-A0E7-ED878623AF44}" type="presOf" srcId="{FFB3F715-AAB5-413C-9C3F-81154B05A25C}" destId="{D1E0D5D4-2B40-4A2A-BA32-C14D7AC75645}" srcOrd="0" destOrd="0" presId="urn:microsoft.com/office/officeart/2005/8/layout/radial4"/>
-    <dgm:cxn modelId="{711D90AF-31F0-487C-88EC-B4709C2EE681}" type="presOf" srcId="{BE693053-D64C-4398-A5E8-3D502209A638}" destId="{F779F3E9-D776-486E-839E-E21AA3208F50}" srcOrd="0" destOrd="0" presId="urn:microsoft.com/office/officeart/2005/8/layout/radial4"/>
-    <dgm:cxn modelId="{2B3C01B6-61DE-4F29-8B79-2A0D4212726E}" srcId="{B5E20638-468B-44D9-A333-2A434A6017F4}" destId="{585E752D-7066-4D9C-8388-CC7211987E17}" srcOrd="3" destOrd="0" parTransId="{73E98E85-AC2A-4CC8-A08E-F85AB07D4657}" sibTransId="{EA181CD5-78CA-4E9B-9D56-298284791F8F}"/>
-    <dgm:cxn modelId="{F4A674FB-9AE9-4C0D-BD0D-C9B2BF0127A3}" type="presOf" srcId="{585E752D-7066-4D9C-8388-CC7211987E17}" destId="{AF238103-4CCF-4D71-9511-AFD34971A84D}" srcOrd="0" destOrd="0" presId="urn:microsoft.com/office/officeart/2005/8/layout/radial4"/>
     <dgm:cxn modelId="{DA7FCD59-50DA-40B3-9AD1-2BAD87D3E13B}" type="presParOf" srcId="{E0665B96-3EEE-4EE8-9C19-2EC3548FB217}" destId="{D27EB83C-6569-40A8-BBB4-EB8A74FAD38F}" srcOrd="0" destOrd="0" presId="urn:microsoft.com/office/officeart/2005/8/layout/radial4"/>
     <dgm:cxn modelId="{7F725AD1-CB87-4F93-9A3D-623F307C7A3A}" type="presParOf" srcId="{E0665B96-3EEE-4EE8-9C19-2EC3548FB217}" destId="{D1E0D5D4-2B40-4A2A-BA32-C14D7AC75645}" srcOrd="1" destOrd="0" presId="urn:microsoft.com/office/officeart/2005/8/layout/radial4"/>
     <dgm:cxn modelId="{3ECEF464-315A-40FD-8E6F-037CF2853FEE}" type="presParOf" srcId="{E0665B96-3EEE-4EE8-9C19-2EC3548FB217}" destId="{D1367C3F-2A52-409C-864C-634EFC1420B0}" srcOrd="2" destOrd="0" presId="urn:microsoft.com/office/officeart/2005/8/layout/radial4"/>
@@ -1429,7 +1499,7 @@
         </a:bodyPr>
         <a:lstStyle/>
         <a:p>
-          <a:pPr marL="0" lvl="0" indent="0" algn="ctr" defTabSz="1422400">
+          <a:pPr lvl="0" algn="ctr" defTabSz="1422400">
             <a:lnSpc>
               <a:spcPct val="90000"/>
             </a:lnSpc>
@@ -1439,7 +1509,6 @@
             <a:spcAft>
               <a:spcPct val="35000"/>
             </a:spcAft>
-            <a:buNone/>
           </a:pPr>
           <a:r>
             <a:rPr lang="en-US" sz="3200" kern="1200" dirty="0"/>
@@ -1581,7 +1650,7 @@
         </a:bodyPr>
         <a:lstStyle/>
         <a:p>
-          <a:pPr marL="0" lvl="0" indent="0" algn="ctr" defTabSz="1689100">
+          <a:pPr lvl="0" algn="ctr" defTabSz="1689100">
             <a:lnSpc>
               <a:spcPct val="90000"/>
             </a:lnSpc>
@@ -1591,7 +1660,6 @@
             <a:spcAft>
               <a:spcPct val="35000"/>
             </a:spcAft>
-            <a:buNone/>
           </a:pPr>
           <a:r>
             <a:rPr lang="en-US" sz="3800" kern="1200" dirty="0"/>
@@ -1733,7 +1801,7 @@
         </a:bodyPr>
         <a:lstStyle/>
         <a:p>
-          <a:pPr marL="0" lvl="0" indent="0" algn="ctr" defTabSz="1689100">
+          <a:pPr lvl="0" algn="ctr" defTabSz="1689100">
             <a:lnSpc>
               <a:spcPct val="90000"/>
             </a:lnSpc>
@@ -1743,7 +1811,6 @@
             <a:spcAft>
               <a:spcPct val="35000"/>
             </a:spcAft>
-            <a:buNone/>
           </a:pPr>
           <a:r>
             <a:rPr lang="en-US" sz="3800" kern="1200" dirty="0"/>
@@ -1885,7 +1952,7 @@
         </a:bodyPr>
         <a:lstStyle/>
         <a:p>
-          <a:pPr marL="0" lvl="0" indent="0" algn="ctr" defTabSz="1689100">
+          <a:pPr lvl="0" algn="ctr" defTabSz="1689100">
             <a:lnSpc>
               <a:spcPct val="90000"/>
             </a:lnSpc>
@@ -1895,7 +1962,6 @@
             <a:spcAft>
               <a:spcPct val="35000"/>
             </a:spcAft>
-            <a:buNone/>
           </a:pPr>
           <a:r>
             <a:rPr lang="en-US" sz="3800" kern="1200" dirty="0"/>
@@ -2037,7 +2103,7 @@
         </a:bodyPr>
         <a:lstStyle/>
         <a:p>
-          <a:pPr marL="0" lvl="0" indent="0" algn="ctr" defTabSz="1689100">
+          <a:pPr lvl="0" algn="ctr" defTabSz="1689100">
             <a:lnSpc>
               <a:spcPct val="90000"/>
             </a:lnSpc>
@@ -2047,7 +2113,6 @@
             <a:spcAft>
               <a:spcPct val="35000"/>
             </a:spcAft>
-            <a:buNone/>
           </a:pPr>
           <a:r>
             <a:rPr lang="en-US" sz="3800" kern="1200" dirty="0"/>
@@ -7053,7 +7118,7 @@
               <a:buChar char="•"/>
             </a:pPr>
             <a:r>
-              <a:rPr lang="en-AU" altLang="zh-CN" sz="2300" baseline="0" dirty="0">
+              <a:rPr lang="en-AU" altLang="zh-CN" sz="2150" baseline="0" dirty="0" smtClean="0">
                 <a:latin typeface="Arial" charset="0"/>
                 <a:ea typeface="宋体" pitchFamily="2" charset="-122"/>
               </a:rPr>
@@ -7069,7 +7134,7 @@
               <a:buChar char="•"/>
             </a:pPr>
             <a:r>
-              <a:rPr lang="en-AU" altLang="zh-CN" sz="2300" baseline="0" dirty="0">
+              <a:rPr lang="en-AU" altLang="zh-CN" sz="2150" baseline="0" dirty="0" smtClean="0">
                 <a:latin typeface="Arial" charset="0"/>
                 <a:ea typeface="宋体" pitchFamily="2" charset="-122"/>
               </a:rPr>
@@ -7085,7 +7150,7 @@
               <a:buChar char="•"/>
             </a:pPr>
             <a:r>
-              <a:rPr lang="en-AU" altLang="zh-CN" sz="2300" baseline="0" dirty="0">
+              <a:rPr lang="en-AU" altLang="zh-CN" sz="2150" baseline="0" dirty="0" smtClean="0">
                 <a:latin typeface="Arial" charset="0"/>
                 <a:ea typeface="宋体" pitchFamily="2" charset="-122"/>
               </a:rPr>
@@ -7101,11 +7166,11 @@
               <a:buChar char="•"/>
             </a:pPr>
             <a:r>
-              <a:rPr lang="en-AU" altLang="zh-CN" sz="2300" baseline="0" dirty="0">
+              <a:rPr lang="en-AU" altLang="zh-CN" sz="2150" baseline="0" dirty="0" smtClean="0">
                 <a:latin typeface="Arial" charset="0"/>
                 <a:ea typeface="宋体" pitchFamily="2" charset="-122"/>
               </a:rPr>
-              <a:t>Prompt user to input where they think they are going.</a:t>
+              <a:t>Verify authenticity of SSL certificates.</a:t>
             </a:r>
           </a:p>
           <a:p>
@@ -7117,7 +7182,23 @@
               <a:buChar char="•"/>
             </a:pPr>
             <a:r>
-              <a:rPr lang="en-AU" altLang="zh-CN" sz="2300" baseline="0" dirty="0">
+              <a:rPr lang="en-AU" altLang="zh-CN" sz="2150" baseline="0" dirty="0" smtClean="0">
+                <a:latin typeface="Arial" charset="0"/>
+                <a:ea typeface="宋体" pitchFamily="2" charset="-122"/>
+              </a:rPr>
+              <a:t>Prompt user to input where they think they are going.</a:t>
+            </a:r>
+          </a:p>
+          <a:p>
+            <a:pPr marL="342900" indent="-342900" algn="just" defTabSz="538147">
+              <a:spcBef>
+                <a:spcPct val="50000"/>
+              </a:spcBef>
+              <a:buFont typeface="Arial" panose="020B0604020202020204" pitchFamily="34" charset="0"/>
+              <a:buChar char="•"/>
+            </a:pPr>
+            <a:r>
+              <a:rPr lang="en-AU" altLang="zh-CN" sz="2150" baseline="0" dirty="0" smtClean="0">
                 <a:latin typeface="Arial" charset="0"/>
                 <a:ea typeface="宋体" pitchFamily="2" charset="-122"/>
               </a:rPr>
@@ -7130,7 +7211,7 @@
                 <a:spcPct val="50000"/>
               </a:spcBef>
             </a:pPr>
-            <a:endParaRPr lang="en-AU" altLang="zh-CN" sz="2300" baseline="0" dirty="0">
+            <a:endParaRPr lang="en-AU" altLang="zh-CN" sz="2150" baseline="0" dirty="0" smtClean="0">
               <a:latin typeface="Arial" charset="0"/>
               <a:ea typeface="宋体" pitchFamily="2" charset="-122"/>
             </a:endParaRPr>
@@ -7304,7 +7385,7 @@
         <p:spPr bwMode="auto">
           <a:xfrm>
             <a:off x="313680" y="8331994"/>
-            <a:ext cx="9566126" cy="3124200"/>
+            <a:ext cx="9566126" cy="3276600"/>
           </a:xfrm>
           <a:prstGeom prst="rect">
             <a:avLst/>
@@ -8347,8 +8428,8 @@
         </p:nvSpPr>
         <p:spPr bwMode="auto">
           <a:xfrm>
-            <a:off x="313680" y="11608594"/>
-            <a:ext cx="9566126" cy="9372601"/>
+            <a:off x="313680" y="11837194"/>
+            <a:ext cx="9566126" cy="9144001"/>
           </a:xfrm>
           <a:prstGeom prst="rect">
             <a:avLst/>
@@ -8567,7 +8648,7 @@
             </a:r>
           </a:p>
           <a:p>
-            <a:pPr marL="957925" lvl="3" indent="-342900" algn="just" defTabSz="538147">
+            <a:pPr marL="623888" lvl="3" indent="-342900" algn="just" defTabSz="538147">
               <a:spcBef>
                 <a:spcPct val="50000"/>
               </a:spcBef>
@@ -8586,7 +8667,7 @@
             </a:r>
           </a:p>
           <a:p>
-            <a:pPr marL="957925" lvl="3" indent="-342900" algn="just" defTabSz="538147">
+            <a:pPr marL="623888" lvl="3" indent="-342900" algn="just" defTabSz="538147">
               <a:spcBef>
                 <a:spcPct val="50000"/>
               </a:spcBef>
@@ -8736,14 +8817,14 @@
           <p:nvPr>
             <p:extLst>
               <p:ext uri="{D42A27DB-BD31-4B8C-83A1-F6EECF244321}">
-                <p14:modId xmlns:p14="http://schemas.microsoft.com/office/powerpoint/2010/main" val="4278524007"/>
+                <p14:modId xmlns:p14="http://schemas.microsoft.com/office/powerpoint/2010/main" val="2514465671"/>
               </p:ext>
             </p:extLst>
           </p:nvPr>
         </p:nvGraphicFramePr>
         <p:xfrm>
           <a:off x="19633406" y="4275566"/>
-          <a:ext cx="9753600" cy="6620074"/>
+          <a:ext cx="9753600" cy="6675120"/>
         </p:xfrm>
         <a:graphic>
           <a:graphicData uri="http://schemas.openxmlformats.org/drawingml/2006/table">
@@ -9543,6 +9624,18 @@
                     <a:bodyPr/>
                     <a:lstStyle/>
                     <a:p>
+                      <a:r>
+                        <a:rPr lang="en-SG" sz="2000" dirty="0" smtClean="0"/>
+                        <a:t>Should not contain suspicious words</a:t>
+                      </a:r>
+                      <a:r>
+                        <a:rPr lang="en-SG" sz="2000" baseline="0" dirty="0" smtClean="0"/>
+                        <a:t> </a:t>
+                      </a:r>
+                      <a:r>
+                        <a:rPr lang="en-SG" sz="2000" baseline="0" smtClean="0"/>
+                        <a:t>or elements</a:t>
+                      </a:r>
                       <a:endParaRPr lang="en-SG" sz="2000" dirty="0"/>
                     </a:p>
                   </a:txBody>
